--- a/ProjectPlan_2.pptx
+++ b/ProjectPlan_2.pptx
@@ -4988,52 +4988,52 @@
           <a:lstStyle/>
           <a:p>
             <a:r>
-              <a:rPr lang="en-US" sz="2200"/>
+              <a:rPr lang="en-US" sz="2200" dirty="0"/>
               <a:t>Precise Autonomous Delivery</a:t>
             </a:r>
           </a:p>
           <a:p>
             <a:pPr lvl="1"/>
             <a:r>
-              <a:rPr lang="en-US" sz="2200"/>
+              <a:rPr lang="en-US" sz="2200" dirty="0"/>
               <a:t>Delivers a payload to GPS coordinate</a:t>
             </a:r>
           </a:p>
           <a:p>
             <a:pPr lvl="1"/>
             <a:r>
-              <a:rPr lang="en-US" sz="2200"/>
+              <a:rPr lang="en-US" sz="2200" dirty="0"/>
               <a:t>Situations where an automobile or manned aircraft is insufficient</a:t>
             </a:r>
           </a:p>
           <a:p>
             <a:pPr lvl="1"/>
-            <a:endParaRPr lang="en-US" sz="2200"/>
-          </a:p>
-          <a:p>
-            <a:r>
-              <a:rPr lang="en-US" sz="2200"/>
+            <a:endParaRPr lang="en-US" sz="2200" dirty="0"/>
+          </a:p>
+          <a:p>
+            <a:r>
+              <a:rPr lang="en-US" sz="2200" dirty="0"/>
               <a:t>Safety Compliant System</a:t>
             </a:r>
           </a:p>
           <a:p>
             <a:pPr lvl="1"/>
             <a:r>
-              <a:rPr lang="en-US" sz="2200"/>
+              <a:rPr lang="en-US" sz="2200" dirty="0"/>
               <a:t>FAA Restrictions</a:t>
             </a:r>
           </a:p>
           <a:p>
             <a:pPr lvl="1"/>
             <a:r>
-              <a:rPr lang="en-US" sz="2200"/>
-              <a:t>Manual takeover option</a:t>
+              <a:rPr lang="en-US" sz="2200" dirty="0"/>
+              <a:t>Manual Takeover Option</a:t>
             </a:r>
           </a:p>
           <a:p>
             <a:pPr lvl="1"/>
             <a:r>
-              <a:rPr lang="en-US" sz="2200"/>
+              <a:rPr lang="en-US" sz="2200" dirty="0"/>
               <a:t>Contingency Landing Plan</a:t>
             </a:r>
           </a:p>
@@ -5041,7 +5041,7 @@
             <a:pPr marL="0" indent="0">
               <a:buNone/>
             </a:pPr>
-            <a:endParaRPr lang="en-US" sz="2200"/>
+            <a:endParaRPr lang="en-US" sz="2200" dirty="0"/>
           </a:p>
         </p:txBody>
       </p:sp>
@@ -5262,13 +5262,8 @@
             <a:pPr lvl="1"/>
             <a:r>
               <a:rPr lang="en-US" sz="1600" dirty="0"/>
-              <a:t>Precise docking </a:t>
-            </a:r>
-            <a:r>
-              <a:rPr lang="en-US" sz="1600" dirty="0" err="1"/>
-              <a:t>cabapilities</a:t>
-            </a:r>
-            <a:endParaRPr lang="en-US" sz="1600" dirty="0"/>
+              <a:t>Precise docking capabilities</a:t>
+            </a:r>
           </a:p>
         </p:txBody>
       </p:sp>
@@ -5563,13 +5558,13 @@
               </a:ext>
             </a:extLst>
           </a:blip>
-          <a:srcRect r="9015" b="-2"/>
+          <a:srcRect r="-486" b="-2"/>
           <a:stretch/>
         </p:blipFill>
         <p:spPr bwMode="auto">
           <a:xfrm>
             <a:off x="6335270" y="2276857"/>
-            <a:ext cx="5015484" cy="3900106"/>
+            <a:ext cx="5539230" cy="3900106"/>
           </a:xfrm>
           <a:prstGeom prst="rect">
             <a:avLst/>
